--- a/NewspapersEndorsement.pptx
+++ b/NewspapersEndorsement.pptx
@@ -572,19 +572,7 @@
                 <a:ea typeface="+mn-ea"/>
                 <a:cs typeface="+mn-cs"/>
               </a:rPr>
-              <a:t> source add up to roughly 15% - 20% out of total 1297 daily newspapers.  My goal: is to have at least 80% with last </a:t>
-            </a:r>
-            <a:r>
-              <a:rPr lang="en-US" sz="1200" kern="1200" baseline="0" smtClean="0">
-                <a:solidFill>
-                  <a:schemeClr val="tx1"/>
-                </a:solidFill>
-                <a:effectLst/>
-                <a:latin typeface="+mn-lt"/>
-                <a:ea typeface="+mn-ea"/>
-                <a:cs typeface="+mn-cs"/>
-              </a:rPr>
-              <a:t>15 elections.</a:t>
+              <a:t> source add up to roughly 15% - 20% out of total 1297 daily newspapers.  My goal: is to have at least 80% with last 15 elections.</a:t>
             </a:r>
             <a:endParaRPr lang="en-US" sz="1200" kern="1200" dirty="0" smtClean="0">
               <a:solidFill>
@@ -595,49 +583,6 @@
               <a:ea typeface="+mn-ea"/>
               <a:cs typeface="+mn-cs"/>
             </a:endParaRPr>
-          </a:p>
-          <a:p>
-            <a:pPr marL="171450" indent="-171450">
-              <a:buFont typeface="Arial" panose="020B0604020202020204" pitchFamily="34" charset="0"/>
-              <a:buChar char="•"/>
-            </a:pPr>
-            <a:r>
-              <a:rPr lang="en-US" dirty="0" smtClean="0"/>
-              <a:t>Challenge</a:t>
-            </a:r>
-            <a:r>
-              <a:rPr lang="en-US" baseline="0" dirty="0" smtClean="0"/>
-              <a:t> facing: </a:t>
-            </a:r>
-          </a:p>
-          <a:p>
-            <a:pPr marL="628650" lvl="1" indent="-171450">
-              <a:buFont typeface="Arial" panose="020B0604020202020204" pitchFamily="34" charset="0"/>
-              <a:buChar char="•"/>
-            </a:pPr>
-            <a:r>
-              <a:rPr lang="en-US" baseline="0" dirty="0" smtClean="0"/>
-              <a:t>training dataset may not representative enough  </a:t>
-            </a:r>
-          </a:p>
-          <a:p>
-            <a:pPr marL="628650" lvl="1" indent="-171450">
-              <a:buFont typeface="Arial" panose="020B0604020202020204" pitchFamily="34" charset="0"/>
-              <a:buChar char="•"/>
-            </a:pPr>
-            <a:r>
-              <a:rPr lang="en-US" baseline="0" dirty="0" smtClean="0"/>
-              <a:t>may contain too much noises, </a:t>
-            </a:r>
-            <a:r>
-              <a:rPr lang="en-US" baseline="0" dirty="0" smtClean="0"/>
-              <a:t>deviation</a:t>
-            </a:r>
-            <a:r>
-              <a:rPr lang="en-US" baseline="0" dirty="0" smtClean="0"/>
-              <a:t>, such as 2016 election to fit a meaningful model</a:t>
-            </a:r>
-            <a:endParaRPr lang="en-US" dirty="0"/>
           </a:p>
         </p:txBody>
       </p:sp>
@@ -772,36 +717,6 @@
               <a:buChar char="•"/>
             </a:pPr>
             <a:r>
-              <a:rPr lang="en-US" sz="1200" b="0" i="0" kern="1200" dirty="0" smtClean="0">
-                <a:solidFill>
-                  <a:schemeClr val="tx1"/>
-                </a:solidFill>
-                <a:effectLst/>
-                <a:latin typeface="+mn-lt"/>
-                <a:ea typeface="+mn-ea"/>
-                <a:cs typeface="+mn-cs"/>
-              </a:rPr>
-              <a:t>It</a:t>
-            </a:r>
-            <a:r>
-              <a:rPr lang="en-US" sz="1200" b="0" i="0" kern="1200" baseline="0" dirty="0" smtClean="0">
-                <a:solidFill>
-                  <a:schemeClr val="tx1"/>
-                </a:solidFill>
-                <a:effectLst/>
-                <a:latin typeface="+mn-lt"/>
-                <a:ea typeface="+mn-ea"/>
-                <a:cs typeface="+mn-cs"/>
-              </a:rPr>
-              <a:t> kind of give me a whole picture of this traditional event, a backdrop to help me to analyze further on any possible trend with it. </a:t>
-            </a:r>
-          </a:p>
-          <a:p>
-            <a:pPr marL="171450" lvl="0" indent="-171450">
-              <a:buFont typeface="Arial" panose="020B0604020202020204" pitchFamily="34" charset="0"/>
-              <a:buChar char="•"/>
-            </a:pPr>
-            <a:r>
               <a:rPr lang="en-US" sz="1200" b="0" i="0" kern="1200" baseline="0" dirty="0" smtClean="0">
                 <a:solidFill>
                   <a:schemeClr val="tx1"/>
@@ -926,36 +841,6 @@
           <a:bodyPr/>
           <a:lstStyle/>
           <a:p>
-            <a:r>
-              <a:rPr lang="en-US" dirty="0" smtClean="0"/>
-              <a:t>Outlier: 2016, the correlation between</a:t>
-            </a:r>
-            <a:r>
-              <a:rPr lang="en-US" baseline="0" dirty="0" smtClean="0"/>
-              <a:t> the total endorsement and election outcome</a:t>
-            </a:r>
-          </a:p>
-          <a:p>
-            <a:pPr marL="171450" indent="-171450">
-              <a:buFont typeface="Arial" panose="020B0604020202020204" pitchFamily="34" charset="0"/>
-              <a:buChar char="•"/>
-            </a:pPr>
-            <a:r>
-              <a:rPr lang="en-US" baseline="0" dirty="0" smtClean="0"/>
-              <a:t>from 1980 through 2020 is 0.19</a:t>
-            </a:r>
-          </a:p>
-          <a:p>
-            <a:pPr marL="171450" indent="-171450">
-              <a:buFont typeface="Arial" panose="020B0604020202020204" pitchFamily="34" charset="0"/>
-              <a:buChar char="•"/>
-            </a:pPr>
-            <a:r>
-              <a:rPr lang="en-US" baseline="0" dirty="0" smtClean="0"/>
-              <a:t>and 0.60 without 2016</a:t>
-            </a:r>
-          </a:p>
-          <a:p>
             <a:endParaRPr lang="en-US" baseline="0" dirty="0" smtClean="0"/>
           </a:p>
           <a:p>
@@ -1173,200 +1058,6 @@
               <a:buFont typeface="Arial" panose="020B0604020202020204" pitchFamily="34" charset="0"/>
               <a:buChar char="•"/>
             </a:pPr>
-            <a:r>
-              <a:rPr lang="en-US" sz="1200" kern="1200" dirty="0" smtClean="0">
-                <a:solidFill>
-                  <a:schemeClr val="tx1"/>
-                </a:solidFill>
-                <a:effectLst/>
-                <a:latin typeface="+mn-lt"/>
-                <a:ea typeface="+mn-ea"/>
-                <a:cs typeface="+mn-cs"/>
-              </a:rPr>
-              <a:t>Introduce more categorical attributes such as state and circulation number. </a:t>
-            </a:r>
-          </a:p>
-          <a:p>
-            <a:pPr marL="171450" marR="0" lvl="0" indent="-171450" algn="l" defTabSz="914400" rtl="0" eaLnBrk="1" fontAlgn="auto" latinLnBrk="0" hangingPunct="1">
-              <a:lnSpc>
-                <a:spcPct val="100000"/>
-              </a:lnSpc>
-              <a:spcBef>
-                <a:spcPts val="0"/>
-              </a:spcBef>
-              <a:spcAft>
-                <a:spcPts val="0"/>
-              </a:spcAft>
-              <a:buClrTx/>
-              <a:buSzTx/>
-              <a:buFont typeface="Arial" panose="020B0604020202020204" pitchFamily="34" charset="0"/>
-              <a:buChar char="•"/>
-              <a:tabLst/>
-              <a:defRPr/>
-            </a:pPr>
-            <a:r>
-              <a:rPr lang="en-US" sz="1200" kern="1200" dirty="0" smtClean="0">
-                <a:solidFill>
-                  <a:schemeClr val="tx1"/>
-                </a:solidFill>
-                <a:effectLst/>
-                <a:latin typeface="+mn-lt"/>
-                <a:ea typeface="+mn-ea"/>
-                <a:cs typeface="+mn-cs"/>
-              </a:rPr>
-              <a:t>Group newspapers by state,</a:t>
-            </a:r>
-            <a:r>
-              <a:rPr lang="en-US" sz="1200" kern="1200" baseline="0" dirty="0" smtClean="0">
-                <a:solidFill>
-                  <a:schemeClr val="tx1"/>
-                </a:solidFill>
-                <a:effectLst/>
-                <a:latin typeface="+mn-lt"/>
-                <a:ea typeface="+mn-ea"/>
-                <a:cs typeface="+mn-cs"/>
-              </a:rPr>
-              <a:t> and </a:t>
-            </a:r>
-            <a:r>
-              <a:rPr lang="en-US" sz="1200" kern="1200" baseline="0" dirty="0" smtClean="0">
-                <a:solidFill>
-                  <a:schemeClr val="tx1"/>
-                </a:solidFill>
-                <a:effectLst/>
-                <a:latin typeface="+mn-lt"/>
-                <a:ea typeface="+mn-ea"/>
-                <a:cs typeface="+mn-cs"/>
-              </a:rPr>
-              <a:t>get </a:t>
-            </a:r>
-            <a:r>
-              <a:rPr lang="en-US" dirty="0" smtClean="0"/>
-              <a:t>probability of alignment with state electoral votes outcome.  </a:t>
-            </a:r>
-            <a:r>
-              <a:rPr lang="en-US" sz="1200" kern="1200" dirty="0" smtClean="0">
-                <a:solidFill>
-                  <a:schemeClr val="tx1"/>
-                </a:solidFill>
-                <a:effectLst/>
-                <a:latin typeface="+mn-lt"/>
-                <a:ea typeface="+mn-ea"/>
-                <a:cs typeface="+mn-cs"/>
-              </a:rPr>
-              <a:t>For a state with multiple publication data, we calculate a local newspaper endorsements </a:t>
-            </a:r>
-            <a:r>
-              <a:rPr lang="en-US" sz="1200" b="1" kern="1200" dirty="0" smtClean="0">
-                <a:solidFill>
-                  <a:schemeClr val="tx1"/>
-                </a:solidFill>
-                <a:effectLst/>
-                <a:latin typeface="+mn-lt"/>
-                <a:ea typeface="+mn-ea"/>
-                <a:cs typeface="+mn-cs"/>
-              </a:rPr>
-              <a:t>fraction</a:t>
-            </a:r>
-            <a:r>
-              <a:rPr lang="en-US" sz="1200" kern="1200" dirty="0" smtClean="0">
-                <a:solidFill>
-                  <a:schemeClr val="tx1"/>
-                </a:solidFill>
-                <a:effectLst/>
-                <a:latin typeface="+mn-lt"/>
-                <a:ea typeface="+mn-ea"/>
-                <a:cs typeface="+mn-cs"/>
-              </a:rPr>
-              <a:t> (either based on percentage of circulation or equal share) </a:t>
-            </a:r>
-            <a:endParaRPr lang="en-US" sz="1200" kern="1200" baseline="0" dirty="0" smtClean="0">
-              <a:solidFill>
-                <a:schemeClr val="tx1"/>
-              </a:solidFill>
-              <a:effectLst/>
-              <a:latin typeface="+mn-lt"/>
-              <a:ea typeface="+mn-ea"/>
-              <a:cs typeface="+mn-cs"/>
-            </a:endParaRPr>
-          </a:p>
-          <a:p>
-            <a:pPr marL="171450" lvl="0" indent="-171450">
-              <a:buFont typeface="Arial" panose="020B0604020202020204" pitchFamily="34" charset="0"/>
-              <a:buChar char="•"/>
-            </a:pPr>
-            <a:r>
-              <a:rPr lang="en-US" sz="1200" kern="1200" dirty="0" smtClean="0">
-                <a:solidFill>
-                  <a:schemeClr val="tx1"/>
-                </a:solidFill>
-                <a:effectLst/>
-                <a:latin typeface="+mn-lt"/>
-                <a:ea typeface="+mn-ea"/>
-                <a:cs typeface="+mn-cs"/>
-              </a:rPr>
-              <a:t>Planning to create an interactive state map,</a:t>
-            </a:r>
-            <a:r>
-              <a:rPr lang="en-US" sz="1200" kern="1200" baseline="0" dirty="0" smtClean="0">
-                <a:solidFill>
-                  <a:schemeClr val="tx1"/>
-                </a:solidFill>
-                <a:effectLst/>
-                <a:latin typeface="+mn-lt"/>
-                <a:ea typeface="+mn-ea"/>
-                <a:cs typeface="+mn-cs"/>
-              </a:rPr>
-              <a:t> looks like right, </a:t>
-            </a:r>
-            <a:r>
-              <a:rPr lang="en-US" sz="1200" kern="1200" dirty="0" smtClean="0">
-                <a:solidFill>
-                  <a:schemeClr val="tx1"/>
-                </a:solidFill>
-                <a:effectLst/>
-                <a:latin typeface="+mn-lt"/>
-                <a:ea typeface="+mn-ea"/>
-                <a:cs typeface="+mn-cs"/>
-              </a:rPr>
-              <a:t>with a color scheme to display how each state newspaper endorsement get align with their state’s electoral outcome </a:t>
-            </a:r>
-            <a:r>
-              <a:rPr lang="en-US" sz="1200" kern="1200" baseline="0" dirty="0" smtClean="0">
-                <a:solidFill>
-                  <a:schemeClr val="tx1"/>
-                </a:solidFill>
-                <a:effectLst/>
-                <a:latin typeface="+mn-lt"/>
-                <a:ea typeface="+mn-ea"/>
-                <a:cs typeface="+mn-cs"/>
-              </a:rPr>
-              <a:t>for </a:t>
-            </a:r>
-            <a:r>
-              <a:rPr lang="en-US" sz="1200" kern="1200" dirty="0" smtClean="0">
-                <a:solidFill>
-                  <a:schemeClr val="tx1"/>
-                </a:solidFill>
-                <a:effectLst/>
-                <a:latin typeface="+mn-lt"/>
-                <a:ea typeface="+mn-ea"/>
-                <a:cs typeface="+mn-cs"/>
-              </a:rPr>
-              <a:t>each election and overall 11 election. Hopefully</a:t>
-            </a:r>
-            <a:r>
-              <a:rPr lang="en-US" sz="1200" kern="1200" baseline="0" dirty="0" smtClean="0">
-                <a:solidFill>
-                  <a:schemeClr val="tx1"/>
-                </a:solidFill>
-                <a:effectLst/>
-                <a:latin typeface="+mn-lt"/>
-                <a:ea typeface="+mn-ea"/>
-                <a:cs typeface="+mn-cs"/>
-              </a:rPr>
-              <a:t> it will help us to identify some reginal pattern on the local alignment. </a:t>
-            </a:r>
             <a:endParaRPr lang="en-US" sz="1200" kern="1200" dirty="0" smtClean="0">
               <a:solidFill>
                 <a:schemeClr val="tx1"/>
@@ -1376,72 +1067,6 @@
               <a:ea typeface="+mn-ea"/>
               <a:cs typeface="+mn-cs"/>
             </a:endParaRPr>
-          </a:p>
-          <a:p>
-            <a:pPr marL="171450" lvl="0" indent="-171450">
-              <a:buFont typeface="Arial" panose="020B0604020202020204" pitchFamily="34" charset="0"/>
-              <a:buChar char="•"/>
-            </a:pPr>
-            <a:r>
-              <a:rPr lang="en-US" sz="1200" kern="1200" dirty="0" smtClean="0">
-                <a:solidFill>
-                  <a:schemeClr val="tx1"/>
-                </a:solidFill>
-                <a:effectLst/>
-                <a:latin typeface="+mn-lt"/>
-                <a:ea typeface="+mn-ea"/>
-                <a:cs typeface="+mn-cs"/>
-              </a:rPr>
-              <a:t>To further suffice my personal curiosity, a similar correlation on each individual newspaper could be calculated and </a:t>
-            </a:r>
-            <a:r>
-              <a:rPr lang="en-US" sz="1200" b="1" kern="1200" dirty="0" smtClean="0">
-                <a:solidFill>
-                  <a:schemeClr val="tx1"/>
-                </a:solidFill>
-                <a:effectLst/>
-                <a:latin typeface="+mn-lt"/>
-                <a:ea typeface="+mn-ea"/>
-                <a:cs typeface="+mn-cs"/>
-              </a:rPr>
-              <a:t>a distribution of probability plot </a:t>
-            </a:r>
-            <a:r>
-              <a:rPr lang="en-US" sz="1200" kern="1200" dirty="0" smtClean="0">
-                <a:solidFill>
-                  <a:schemeClr val="tx1"/>
-                </a:solidFill>
-                <a:effectLst/>
-                <a:latin typeface="+mn-lt"/>
-                <a:ea typeface="+mn-ea"/>
-                <a:cs typeface="+mn-cs"/>
-              </a:rPr>
-              <a:t>might help to see if there is any underlying relationship between the two across</a:t>
-            </a:r>
-            <a:r>
-              <a:rPr lang="en-US" sz="1200" kern="1200" baseline="0" dirty="0" smtClean="0">
-                <a:solidFill>
-                  <a:schemeClr val="tx1"/>
-                </a:solidFill>
-                <a:effectLst/>
-                <a:latin typeface="+mn-lt"/>
-                <a:ea typeface="+mn-ea"/>
-                <a:cs typeface="+mn-cs"/>
-              </a:rPr>
-              <a:t> the nation</a:t>
-            </a:r>
-            <a:r>
-              <a:rPr lang="en-US" sz="1200" kern="1200" dirty="0" smtClean="0">
-                <a:solidFill>
-                  <a:schemeClr val="tx1"/>
-                </a:solidFill>
-                <a:effectLst/>
-                <a:latin typeface="+mn-lt"/>
-                <a:ea typeface="+mn-ea"/>
-                <a:cs typeface="+mn-cs"/>
-              </a:rPr>
-              <a:t>.  </a:t>
-            </a:r>
           </a:p>
         </p:txBody>
       </p:sp>
@@ -1525,38 +1150,6 @@
           <a:bodyPr/>
           <a:lstStyle/>
           <a:p>
-            <a:r>
-              <a:rPr lang="en-US" dirty="0" smtClean="0"/>
-              <a:t>By observing</a:t>
-            </a:r>
-            <a:r>
-              <a:rPr lang="en-US" baseline="0" dirty="0" smtClean="0"/>
-              <a:t> the dataset, notice a special behavior happened in the event of newspaper endorsement, which is switching.  It means switching from one party to another, or switching between endorsing one party and not endorsing at all. </a:t>
-            </a:r>
-          </a:p>
-          <a:p>
-            <a:r>
-              <a:rPr lang="en-US" baseline="0" dirty="0" smtClean="0"/>
-              <a:t>Also, such a switch must be preceded by at least 3 or 4 successive opposite actions. </a:t>
-            </a:r>
-          </a:p>
-          <a:p>
-            <a:r>
-              <a:rPr lang="en-US" baseline="0" dirty="0" smtClean="0"/>
-              <a:t>And so my question is when I add up all the switch in one election to get a probability of total incidents, if there is a correlation with the election result. </a:t>
-            </a:r>
-          </a:p>
-          <a:p>
-            <a:r>
-              <a:rPr lang="en-US" baseline="0" dirty="0" smtClean="0"/>
-              <a:t>Basically, what I am trying to find out here if such this kind of single switching incident not just represent its individual opinion change, but once add up could indicate something bigger and related to the final election outcome. </a:t>
-            </a:r>
-          </a:p>
-          <a:p>
-            <a:r>
-              <a:rPr lang="en-US" baseline="0" dirty="0" smtClean="0"/>
-              <a:t>And at state level, for example, in those battle states, this year, if there was a switch happening at local newspaper as well.  In other words, if those newspaper endorsement take part in the process of flipping a state.  </a:t>
-            </a:r>
             <a:endParaRPr lang="en-US" dirty="0"/>
           </a:p>
         </p:txBody>
@@ -1640,43 +1233,6 @@
         <p:txBody>
           <a:bodyPr/>
           <a:lstStyle/>
-          <a:p>
-            <a:pPr marL="171450" indent="-171450">
-              <a:buFont typeface="Arial" panose="020B0604020202020204" pitchFamily="34" charset="0"/>
-              <a:buChar char="•"/>
-            </a:pPr>
-            <a:r>
-              <a:rPr lang="en-US" dirty="0" smtClean="0"/>
-              <a:t>I</a:t>
-            </a:r>
-            <a:r>
-              <a:rPr lang="en-US" baseline="0" dirty="0" smtClean="0"/>
-              <a:t>n other words, there may not have any underlying relationship general enough to make a prediction on unseen. </a:t>
-            </a:r>
-          </a:p>
-          <a:p>
-            <a:pPr marL="171450" marR="0" lvl="0" indent="-171450" algn="l" defTabSz="914400" rtl="0" eaLnBrk="1" fontAlgn="auto" latinLnBrk="0" hangingPunct="1">
-              <a:lnSpc>
-                <a:spcPct val="100000"/>
-              </a:lnSpc>
-              <a:spcBef>
-                <a:spcPts val="0"/>
-              </a:spcBef>
-              <a:spcAft>
-                <a:spcPts val="0"/>
-              </a:spcAft>
-              <a:buClrTx/>
-              <a:buSzTx/>
-              <a:buFont typeface="Arial" panose="020B0604020202020204" pitchFamily="34" charset="0"/>
-              <a:buChar char="•"/>
-              <a:tabLst/>
-              <a:defRPr/>
-            </a:pPr>
-            <a:r>
-              <a:rPr lang="en-US" dirty="0" smtClean="0"/>
-              <a:t>Limited training dataset with noise may not be fitted to any potential modal to generalize the </a:t>
-            </a:r>
-          </a:p>
           <a:p>
             <a:pPr marL="171450" indent="-171450">
               <a:buFont typeface="Arial" panose="020B0604020202020204" pitchFamily="34" charset="0"/>
@@ -4621,6 +4177,12 @@
               <a:rPr lang="en-US" dirty="0" smtClean="0"/>
               <a:t> Angela Zhou</a:t>
             </a:r>
+          </a:p>
+          <a:p>
+            <a:r>
+              <a:rPr lang="en-US" dirty="0" smtClean="0"/>
+              <a:t>11/19/2020</a:t>
+            </a:r>
             <a:endParaRPr lang="en-US" dirty="0"/>
           </a:p>
         </p:txBody>
@@ -4840,7 +4402,7 @@
             <a:pPr algn="ctr"/>
             <a:r>
               <a:rPr lang="en-US" dirty="0" smtClean="0"/>
-              <a:t>Question 1: </a:t>
+              <a:t>Question No. 1: </a:t>
             </a:r>
             <a:br>
               <a:rPr lang="en-US" dirty="0" smtClean="0"/>
@@ -4992,14 +4554,14 @@
             <a:pPr algn="ctr"/>
             <a:r>
               <a:rPr lang="en-US" dirty="0" smtClean="0"/>
-              <a:t>Question 2: </a:t>
+              <a:t>Question No. 2: </a:t>
             </a:r>
             <a:br>
               <a:rPr lang="en-US" dirty="0" smtClean="0"/>
             </a:br>
             <a:r>
               <a:rPr lang="en-US" dirty="0" smtClean="0"/>
-              <a:t>Do the total newspapers endorsement align with national election outcome?</a:t>
+              <a:t>Do the newspapers endorsement in total align with national election outcome?</a:t>
             </a:r>
             <a:endParaRPr lang="en-US" dirty="0"/>
           </a:p>
@@ -5017,8 +4579,8 @@
         </p:nvSpPr>
         <p:spPr>
           <a:xfrm>
-            <a:off x="838200" y="2176529"/>
-            <a:ext cx="5181600" cy="4000433"/>
+            <a:off x="838200" y="2699657"/>
+            <a:ext cx="5181600" cy="3477305"/>
           </a:xfrm>
         </p:spPr>
         <p:txBody>
@@ -5080,8 +4642,8 @@
         </p:blipFill>
         <p:spPr>
           <a:xfrm>
-            <a:off x="6400261" y="2176529"/>
-            <a:ext cx="4725477" cy="3328158"/>
+            <a:off x="6356718" y="2623457"/>
+            <a:ext cx="4725477" cy="3414630"/>
           </a:xfrm>
         </p:spPr>
       </p:pic>
@@ -5147,7 +4709,7 @@
             </a:br>
             <a:r>
               <a:rPr lang="en-US" dirty="0" smtClean="0"/>
-              <a:t>Question 3:</a:t>
+              <a:t>Question No. 3:</a:t>
             </a:r>
             <a:br>
               <a:rPr lang="en-US" dirty="0" smtClean="0"/>
@@ -5180,7 +4742,9 @@
           </a:xfrm>
         </p:spPr>
         <p:txBody>
-          <a:bodyPr/>
+          <a:bodyPr>
+            <a:normAutofit/>
+          </a:bodyPr>
           <a:lstStyle/>
           <a:p>
             <a:r>
@@ -5203,7 +4767,15 @@
           <a:p>
             <a:r>
               <a:rPr lang="en-US" dirty="0" smtClean="0"/>
-              <a:t>Further more, at individual newspaper level, calculate similar correlation</a:t>
+              <a:t>Further more, at individual newspaper level, create a </a:t>
+            </a:r>
+            <a:r>
+              <a:rPr lang="en-US" dirty="0" smtClean="0"/>
+              <a:t>distribution of </a:t>
+            </a:r>
+            <a:r>
+              <a:rPr lang="en-US" dirty="0" smtClean="0"/>
+              <a:t>probability of plot</a:t>
             </a:r>
           </a:p>
           <a:p>
@@ -5302,7 +4874,7 @@
             </a:br>
             <a:r>
               <a:rPr lang="en-US" dirty="0" smtClean="0"/>
-              <a:t>Question 4</a:t>
+              <a:t>Question No. 4</a:t>
             </a:r>
             <a:br>
               <a:rPr lang="en-US" dirty="0" smtClean="0"/>
@@ -5330,12 +4902,14 @@
         </p:nvSpPr>
         <p:spPr>
           <a:xfrm>
-            <a:off x="838200" y="2125013"/>
-            <a:ext cx="5181600" cy="4051949"/>
+            <a:off x="838200" y="2656114"/>
+            <a:ext cx="5181600" cy="3520848"/>
           </a:xfrm>
         </p:spPr>
         <p:txBody>
-          <a:bodyPr/>
+          <a:bodyPr>
+            <a:normAutofit lnSpcReduction="10000"/>
+          </a:bodyPr>
           <a:lstStyle/>
           <a:p>
             <a:pPr marL="0" indent="0" algn="ctr">
@@ -5398,12 +4972,14 @@
         </p:nvSpPr>
         <p:spPr>
           <a:xfrm>
-            <a:off x="6172200" y="2125013"/>
-            <a:ext cx="5181600" cy="4051950"/>
+            <a:off x="6172200" y="2656114"/>
+            <a:ext cx="5181600" cy="3520848"/>
           </a:xfrm>
         </p:spPr>
         <p:txBody>
-          <a:bodyPr/>
+          <a:bodyPr>
+            <a:normAutofit lnSpcReduction="10000"/>
+          </a:bodyPr>
           <a:lstStyle/>
           <a:p>
             <a:r>
@@ -5513,7 +5089,7 @@
             <a:pPr lvl="1"/>
             <a:r>
               <a:rPr lang="en-US" dirty="0" smtClean="0"/>
-              <a:t>Not representative: scrape more data online to cover non-mainstream </a:t>
+              <a:t>Not representative:  to cover non-mainstream </a:t>
             </a:r>
           </a:p>
           <a:p>
@@ -5522,6 +5098,12 @@
               <a:rPr lang="en-US" dirty="0" smtClean="0"/>
               <a:t>May contain noises: ex. 2016</a:t>
             </a:r>
+          </a:p>
+          <a:p>
+            <a:pPr marL="457200" lvl="1" indent="0">
+              <a:buNone/>
+            </a:pPr>
+            <a:endParaRPr lang="en-US" dirty="0" smtClean="0"/>
           </a:p>
           <a:p>
             <a:r>
